--- a/Presentation.pptx
+++ b/Presentation.pptx
@@ -10,6 +10,7 @@
     <p:sldId id="258" r:id="rId4"/>
     <p:sldId id="259" r:id="rId5"/>
     <p:sldId id="260" r:id="rId6"/>
+    <p:sldId id="261" r:id="rId7"/>
   </p:sldIdLst>
   <p:sldSz cx="12192000" cy="6858000"/>
   <p:notesSz cx="6858000" cy="9144000"/>
@@ -5840,9 +5841,10 @@
           <a:lstStyle/>
           <a:p>
             <a:r>
-              <a:rPr lang="en-US" dirty="0"/>
-              <a:t>Resale for Charity</a:t>
-            </a:r>
+              <a:rPr lang="en-US" dirty="0" err="1"/>
+              <a:t>Carity</a:t>
+            </a:r>
+            <a:endParaRPr lang="en-US" dirty="0"/>
           </a:p>
         </p:txBody>
       </p:sp>
@@ -5981,7 +5983,7 @@
           <a:p>
             <a:r>
               <a:rPr lang="en-US" dirty="0"/>
-              <a:t>Feature 17 different types of categories</a:t>
+              <a:t>Features 17 different types of charities and it will redirect for more information</a:t>
             </a:r>
           </a:p>
           <a:p>
@@ -6060,7 +6062,7 @@
           <a:p>
             <a:r>
               <a:rPr lang="en-US" dirty="0"/>
-              <a:t>Image Recognition </a:t>
+              <a:t>Image Recognition &amp; Pricing </a:t>
             </a:r>
           </a:p>
         </p:txBody>
@@ -6096,7 +6098,7 @@
           <a:p>
             <a:r>
               <a:rPr lang="en-US" dirty="0"/>
-              <a:t>Initially I was planning on opening up the camera on the phone, having the user take a picture and then uploading and saving that picture on the application</a:t>
+              <a:t>Initially we were planning on opening up the camera on the phone, having the user take a picture and then uploading and saving that picture on the application</a:t>
             </a:r>
           </a:p>
           <a:p>
@@ -6187,7 +6189,7 @@
           <a:p>
             <a:r>
               <a:rPr lang="en-US" dirty="0"/>
-              <a:t>Image Recognition</a:t>
+              <a:t>Image Recognition &amp; Pricing </a:t>
             </a:r>
           </a:p>
         </p:txBody>
@@ -6299,7 +6301,7 @@
           <p:cNvPr id="2" name="Title 1">
             <a:extLst>
               <a:ext uri="{FF2B5EF4-FFF2-40B4-BE49-F238E27FC236}">
-                <a16:creationId xmlns:a16="http://schemas.microsoft.com/office/drawing/2014/main" id="{CC57EE5A-B980-C440-B962-DA6B04B62846}"/>
+                <a16:creationId xmlns:a16="http://schemas.microsoft.com/office/drawing/2014/main" id="{76121F5C-6C6B-4441-8A18-263A9FB29EE6}"/>
               </a:ext>
             </a:extLst>
           </p:cNvPr>
@@ -6315,7 +6317,10 @@
           <a:bodyPr/>
           <a:lstStyle/>
           <a:p>
-            <a:endParaRPr lang="en-US"/>
+            <a:r>
+              <a:rPr lang="en-US" dirty="0"/>
+              <a:t>Payment</a:t>
+            </a:r>
           </a:p>
         </p:txBody>
       </p:sp>
@@ -6324,7 +6329,7 @@
           <p:cNvPr id="3" name="Content Placeholder 2">
             <a:extLst>
               <a:ext uri="{FF2B5EF4-FFF2-40B4-BE49-F238E27FC236}">
-                <a16:creationId xmlns:a16="http://schemas.microsoft.com/office/drawing/2014/main" id="{53E59455-CE20-A940-90D6-FA49B10EA032}"/>
+                <a16:creationId xmlns:a16="http://schemas.microsoft.com/office/drawing/2014/main" id="{36FA5BB4-0791-3B49-8812-0677A6BA5ECB}"/>
               </a:ext>
             </a:extLst>
           </p:cNvPr>
@@ -6337,42 +6342,192 @@
         </p:nvSpPr>
         <p:spPr/>
         <p:txBody>
-          <a:bodyPr/>
-          <a:lstStyle/>
-          <a:p>
-            <a:endParaRPr lang="en-US" dirty="0"/>
-          </a:p>
-        </p:txBody>
-      </p:sp>
-      <p:sp>
-        <p:nvSpPr>
-          <p:cNvPr id="4" name="Content Placeholder 3">
+          <a:bodyPr>
+            <a:normAutofit fontScale="85000" lnSpcReduction="10000"/>
+          </a:bodyPr>
+          <a:lstStyle/>
+          <a:p>
+            <a:r>
+              <a:rPr lang="en-US" dirty="0"/>
+              <a:t>Buyers can make a transaction using Chase Pay</a:t>
+            </a:r>
+          </a:p>
+          <a:p>
+            <a:pPr lvl="1"/>
+            <a:r>
+              <a:rPr lang="en-US" dirty="0"/>
+              <a:t>Buyers can select the charity of their choice</a:t>
+            </a:r>
+          </a:p>
+          <a:p>
+            <a:r>
+              <a:rPr lang="en-US" dirty="0"/>
+              <a:t>Sellers receive 20% and 80% goes directly to the charity </a:t>
+            </a:r>
+          </a:p>
+          <a:p>
+            <a:r>
+              <a:rPr lang="en-US" dirty="0"/>
+              <a:t>Future Function: Both parties will receive a confirmation email</a:t>
+            </a:r>
+          </a:p>
+          <a:p>
+            <a:pPr lvl="1"/>
+            <a:r>
+              <a:rPr lang="en-US" dirty="0"/>
+              <a:t>At the end of each email, it will share a story of how their dollar made the difference </a:t>
+            </a:r>
+          </a:p>
+        </p:txBody>
+      </p:sp>
+      <p:pic>
+        <p:nvPicPr>
+          <p:cNvPr id="6" name="Content Placeholder 5">
             <a:extLst>
               <a:ext uri="{FF2B5EF4-FFF2-40B4-BE49-F238E27FC236}">
-                <a16:creationId xmlns:a16="http://schemas.microsoft.com/office/drawing/2014/main" id="{D976F9D1-5943-ED4D-A528-97498D5A06B4}"/>
+                <a16:creationId xmlns:a16="http://schemas.microsoft.com/office/drawing/2014/main" id="{1E88161C-DBE9-0B48-9AE3-42F4EF1AD321}"/>
               </a:ext>
             </a:extLst>
           </p:cNvPr>
-          <p:cNvSpPr>
-            <a:spLocks noGrp="1"/>
-          </p:cNvSpPr>
+          <p:cNvPicPr>
+            <a:picLocks noGrp="1" noChangeAspect="1"/>
+          </p:cNvPicPr>
           <p:nvPr>
             <p:ph sz="half" idx="2"/>
           </p:nvPr>
-        </p:nvSpPr>
-        <p:spPr/>
-        <p:txBody>
-          <a:bodyPr/>
-          <a:lstStyle/>
-          <a:p>
-            <a:endParaRPr lang="en-US"/>
-          </a:p>
-        </p:txBody>
-      </p:sp>
+        </p:nvPicPr>
+        <p:blipFill>
+          <a:blip r:embed="rId2"/>
+          <a:stretch>
+            <a:fillRect/>
+          </a:stretch>
+        </p:blipFill>
+        <p:spPr>
+          <a:xfrm>
+            <a:off x="6989794" y="2560320"/>
+            <a:ext cx="3460491" cy="3460491"/>
+          </a:xfrm>
+        </p:spPr>
+      </p:pic>
     </p:spTree>
     <p:extLst>
       <p:ext uri="{BB962C8B-B14F-4D97-AF65-F5344CB8AC3E}">
-        <p14:creationId xmlns:p14="http://schemas.microsoft.com/office/powerpoint/2010/main" val="2909358093"/>
+        <p14:creationId xmlns:p14="http://schemas.microsoft.com/office/powerpoint/2010/main" val="3488757829"/>
+      </p:ext>
+    </p:extLst>
+  </p:cSld>
+  <p:clrMapOvr>
+    <a:masterClrMapping/>
+  </p:clrMapOvr>
+</p:sld>
+</file>
+
+<file path=ppt/slides/slide6.xml><?xml version="1.0" encoding="utf-8"?>
+<p:sld xmlns:a="http://schemas.openxmlformats.org/drawingml/2006/main" xmlns:r="http://schemas.openxmlformats.org/officeDocument/2006/relationships" xmlns:p="http://schemas.openxmlformats.org/presentationml/2006/main">
+  <p:cSld>
+    <p:spTree>
+      <p:nvGrpSpPr>
+        <p:cNvPr id="1" name=""/>
+        <p:cNvGrpSpPr/>
+        <p:nvPr/>
+      </p:nvGrpSpPr>
+      <p:grpSpPr>
+        <a:xfrm>
+          <a:off x="0" y="0"/>
+          <a:ext cx="0" cy="0"/>
+          <a:chOff x="0" y="0"/>
+          <a:chExt cx="0" cy="0"/>
+        </a:xfrm>
+      </p:grpSpPr>
+      <p:sp>
+        <p:nvSpPr>
+          <p:cNvPr id="2" name="Title 1">
+            <a:extLst>
+              <a:ext uri="{FF2B5EF4-FFF2-40B4-BE49-F238E27FC236}">
+                <a16:creationId xmlns:a16="http://schemas.microsoft.com/office/drawing/2014/main" id="{17DE80E8-538C-9F40-9E78-5BB8B6530B81}"/>
+              </a:ext>
+            </a:extLst>
+          </p:cNvPr>
+          <p:cNvSpPr>
+            <a:spLocks noGrp="1"/>
+          </p:cNvSpPr>
+          <p:nvPr>
+            <p:ph type="title"/>
+          </p:nvPr>
+        </p:nvSpPr>
+        <p:spPr/>
+        <p:txBody>
+          <a:bodyPr/>
+          <a:lstStyle/>
+          <a:p>
+            <a:r>
+              <a:rPr lang="en-US" dirty="0"/>
+              <a:t>Giving Driven</a:t>
+            </a:r>
+          </a:p>
+        </p:txBody>
+      </p:sp>
+      <p:sp>
+        <p:nvSpPr>
+          <p:cNvPr id="3" name="Content Placeholder 2">
+            <a:extLst>
+              <a:ext uri="{FF2B5EF4-FFF2-40B4-BE49-F238E27FC236}">
+                <a16:creationId xmlns:a16="http://schemas.microsoft.com/office/drawing/2014/main" id="{1E6F6BA0-0551-9B42-BA42-5C5D7234D137}"/>
+              </a:ext>
+            </a:extLst>
+          </p:cNvPr>
+          <p:cNvSpPr>
+            <a:spLocks noGrp="1"/>
+          </p:cNvSpPr>
+          <p:nvPr>
+            <p:ph sz="half" idx="1"/>
+          </p:nvPr>
+        </p:nvSpPr>
+        <p:spPr/>
+        <p:txBody>
+          <a:bodyPr/>
+          <a:lstStyle/>
+          <a:p>
+            <a:r>
+              <a:rPr lang="en-US" dirty="0"/>
+              <a:t>We want the buyers and sellers to driven to give to something that they care about therefore, we have used the 17 UN Sustainable Development Goals to help buyers choose a cause and it will suggest a charity</a:t>
+            </a:r>
+          </a:p>
+        </p:txBody>
+      </p:sp>
+      <p:pic>
+        <p:nvPicPr>
+          <p:cNvPr id="6" name="Content Placeholder 5">
+            <a:extLst>
+              <a:ext uri="{FF2B5EF4-FFF2-40B4-BE49-F238E27FC236}">
+                <a16:creationId xmlns:a16="http://schemas.microsoft.com/office/drawing/2014/main" id="{281E9134-3189-D84D-B273-FEDC8B4F2377}"/>
+              </a:ext>
+            </a:extLst>
+          </p:cNvPr>
+          <p:cNvPicPr>
+            <a:picLocks noGrp="1" noChangeAspect="1"/>
+          </p:cNvPicPr>
+          <p:nvPr>
+            <p:ph sz="half" idx="2"/>
+          </p:nvPr>
+        </p:nvPicPr>
+        <p:blipFill>
+          <a:blip r:embed="rId2"/>
+          <a:stretch>
+            <a:fillRect/>
+          </a:stretch>
+        </p:blipFill>
+        <p:spPr>
+          <a:xfrm>
+            <a:off x="6472238" y="2674619"/>
+            <a:ext cx="4424360" cy="2741857"/>
+          </a:xfrm>
+        </p:spPr>
+      </p:pic>
+    </p:spTree>
+    <p:extLst>
+      <p:ext uri="{BB962C8B-B14F-4D97-AF65-F5344CB8AC3E}">
+        <p14:creationId xmlns:p14="http://schemas.microsoft.com/office/powerpoint/2010/main" val="1181026003"/>
       </p:ext>
     </p:extLst>
   </p:cSld>
